--- a/nginx/Nginx.pptx
+++ b/nginx/Nginx.pptx
@@ -78,10 +78,11 @@
     <p:sldId id="349" r:id="rId71"/>
     <p:sldId id="350" r:id="rId72"/>
     <p:sldId id="351" r:id="rId73"/>
-    <p:sldId id="352" r:id="rId74"/>
-    <p:sldId id="353" r:id="rId75"/>
-    <p:sldId id="354" r:id="rId76"/>
-    <p:sldId id="355" r:id="rId77"/>
+    <p:sldId id="359" r:id="rId74"/>
+    <p:sldId id="352" r:id="rId75"/>
+    <p:sldId id="353" r:id="rId76"/>
+    <p:sldId id="354" r:id="rId77"/>
+    <p:sldId id="355" r:id="rId78"/>
   </p:sldIdLst>
   <p:sldSz cx="12192000" cy="6858000"/>
   <p:notesSz cx="7103745" cy="10234295"/>
@@ -4764,7 +4765,47 @@
             </a:pPr>
             <a:r>
               <a:rPr lang="zh-CN" altLang="en-US" sz="1000"/>
-              <a:t>limit_conn_zone $binanry_remote_addr zone=conn_zone:1m;</a:t>
+              <a:t>limit_conn_zone $binanry_remote_addr zone=conn_zone:1m;   </a:t>
+            </a:r>
+            <a:r>
+              <a:rPr lang="en-US" altLang="zh-CN" sz="1000"/>
+              <a:t>//</a:t>
+            </a:r>
+            <a:r>
+              <a:rPr lang="zh-CN" altLang="en-US" sz="1000">
+                <a:sym typeface="+mn-ea"/>
+              </a:rPr>
+              <a:t>$binanry_remote_addr （和</a:t>
+            </a:r>
+            <a:r>
+              <a:rPr lang="zh-CN" altLang="en-US" sz="1000">
+                <a:sym typeface="+mn-ea"/>
+              </a:rPr>
+              <a:t>remote_addr 一样，更节省空间</a:t>
+            </a:r>
+            <a:r>
+              <a:rPr lang="zh-CN" altLang="en-US" sz="1000">
+                <a:sym typeface="+mn-ea"/>
+              </a:rPr>
+              <a:t>）对</a:t>
+            </a:r>
+            <a:r>
+              <a:rPr lang="en-US" altLang="zh-CN" sz="1000">
+                <a:sym typeface="+mn-ea"/>
+              </a:rPr>
+              <a:t>ip</a:t>
+            </a:r>
+            <a:r>
+              <a:rPr lang="zh-CN" altLang="en-US" sz="1000">
+                <a:sym typeface="+mn-ea"/>
+              </a:rPr>
+              <a:t>进行限制  空间大小</a:t>
+            </a:r>
+            <a:r>
+              <a:rPr lang="en-US" altLang="zh-CN" sz="1000">
+                <a:sym typeface="+mn-ea"/>
+              </a:rPr>
+              <a:t>1M</a:t>
             </a:r>
             <a:endParaRPr lang="zh-CN" altLang="en-US" sz="1000"/>
           </a:p>
@@ -5040,7 +5081,15 @@
             </a:pPr>
             <a:r>
               <a:rPr lang="zh-CN" altLang="en-US" sz="1000"/>
-              <a:t>limit_req zone=req_zone burst=3 nodelay;  (burst=3) 3个请求延迟请求，超过访问速率，延迟请求对客户端起到访问限速的作用，其他的直接返回</a:t>
+              <a:t>limit_req zone=req_zone burst=3 nodelay;  (burst=3) 3个请求延迟请求，超过访问速率，延迟请求对客户端起到访问限速的作用，其他的直接返回，</a:t>
+            </a:r>
+            <a:r>
+              <a:rPr lang="en-US" altLang="zh-CN" sz="1000"/>
+              <a:t>3</a:t>
+            </a:r>
+            <a:r>
+              <a:rPr lang="zh-CN" altLang="en-US" sz="1000"/>
+              <a:t>个下一秒执行</a:t>
             </a:r>
             <a:endParaRPr lang="zh-CN" altLang="en-US" sz="1000"/>
           </a:p>
@@ -5058,6 +5107,30 @@
             <a:pPr marL="0" indent="0">
               <a:buNone/>
             </a:pPr>
+            <a:r>
+              <a:rPr lang="en-US" altLang="zh-CN" sz="1000"/>
+              <a:t>limit_conn conn_zone 1  //</a:t>
+            </a:r>
+            <a:r>
+              <a:rPr lang="zh-CN" altLang="en-US" sz="1000"/>
+              <a:t>同一时刻只有一个</a:t>
+            </a:r>
+            <a:r>
+              <a:rPr lang="en-US" altLang="zh-CN" sz="1000"/>
+              <a:t>ip</a:t>
+            </a:r>
+            <a:r>
+              <a:rPr lang="zh-CN" altLang="en-US" sz="1000"/>
+              <a:t>连接  </a:t>
+            </a:r>
+            <a:r>
+              <a:rPr lang="en-US" altLang="zh-CN" sz="1000"/>
+              <a:t>//</a:t>
+            </a:r>
+            <a:r>
+              <a:rPr lang="zh-CN" altLang="en-US" sz="1000"/>
+              <a:t>连接限制小些，多次请求可以建立在一次连接上</a:t>
+            </a:r>
             <a:endParaRPr lang="zh-CN" altLang="en-US" sz="1000"/>
           </a:p>
           <a:p>
@@ -5442,7 +5515,7 @@
             </a:pPr>
             <a:r>
               <a:rPr lang="zh-CN" altLang="en-US"/>
-              <a:t>二、结合geo模块作</a:t>
+              <a:t>二、结合geo模块作 定义从指定的变量获取客户端的IP地址</a:t>
             </a:r>
             <a:endParaRPr lang="zh-CN" altLang="en-US"/>
           </a:p>
@@ -5649,7 +5722,9 @@
         </p:nvSpPr>
         <p:spPr/>
         <p:txBody>
-          <a:bodyPr/>
+          <a:bodyPr>
+            <a:normAutofit lnSpcReduction="10000"/>
+          </a:bodyPr>
           <a:p>
             <a:pPr marL="0" indent="0">
               <a:buNone/>
@@ -5712,7 +5787,7 @@
             </a:pPr>
             <a:r>
               <a:rPr lang="zh-CN" altLang="en-US"/>
-              <a:t>二、Nginx和LDAP打通，利用nginx-auth-ldap模块</a:t>
+              <a:t>二、Nginx和LDAP打通，利用nginx-auth-ldap模块（LDAP是轻量目录访问协议）（https://sapser.github.io/devops/2016/07/22/nginx-ldap）</a:t>
             </a:r>
             <a:endParaRPr lang="zh-CN" altLang="en-US"/>
           </a:p>
@@ -7079,7 +7154,7 @@
         <p:spPr/>
         <p:txBody>
           <a:bodyPr>
-            <a:normAutofit fontScale="90000" lnSpcReduction="20000"/>
+            <a:normAutofit fontScale="40000"/>
           </a:bodyPr>
           <a:p>
             <a:pPr marL="0" indent="0">
@@ -7111,7 +7186,47 @@
             </a:pPr>
             <a:r>
               <a:rPr lang="zh-CN" altLang="en-US"/>
-              <a:t>1、文件读取</a:t>
+              <a:t>1、文件读取（http://xiaorui.cc/2015/06/24/%E6%89%AF%E6%B7%A1nginx%E7%9A%84sendfile%E9%9B%B6%E6%8B%B7%E8%B4%9D%E7%9A%84%E6%A6%82%E5%BF%B5/）</a:t>
+            </a:r>
+            <a:endParaRPr lang="zh-CN" altLang="en-US"/>
+          </a:p>
+          <a:p>
+            <a:pPr marL="0" indent="0">
+              <a:buNone/>
+            </a:pPr>
+            <a:r>
+              <a:rPr lang="zh-CN" altLang="en-US"/>
+              <a:t>不用：</a:t>
+            </a:r>
+            <a:endParaRPr lang="zh-CN" altLang="en-US"/>
+          </a:p>
+          <a:p>
+            <a:pPr marL="0" indent="0">
+              <a:buNone/>
+            </a:pPr>
+            <a:r>
+              <a:rPr lang="zh-CN" altLang="en-US"/>
+              <a:t>硬盘 &gt;&gt; kernel buffer &gt;&gt; user buffer&gt;&gt; kernel socket buffer &gt;&gt;协议栈 4次上下文切换，有4次拷贝</a:t>
+            </a:r>
+            <a:endParaRPr lang="zh-CN" altLang="en-US"/>
+          </a:p>
+          <a:p>
+            <a:pPr marL="0" indent="0">
+              <a:buNone/>
+            </a:pPr>
+            <a:r>
+              <a:rPr lang="zh-CN" altLang="en-US"/>
+              <a:t>用：硬盘 &gt;&gt; kernel buffer (快速拷贝到kernelsocket buffer) &gt;&gt;协议栈</a:t>
+            </a:r>
+            <a:endParaRPr lang="zh-CN" altLang="en-US"/>
+          </a:p>
+          <a:p>
+            <a:pPr marL="0" indent="0">
+              <a:buNone/>
+            </a:pPr>
+            <a:r>
+              <a:rPr lang="zh-CN" altLang="en-US"/>
+              <a:t>endfile() 减少切换次数，减少拷贝次数</a:t>
             </a:r>
             <a:endParaRPr lang="zh-CN" altLang="en-US"/>
           </a:p>
@@ -7271,7 +7386,15 @@
             </a:pPr>
             <a:r>
               <a:rPr lang="zh-CN" altLang="en-US" sz="1000"/>
-              <a:t>作用：sendfile开启的情况下，提高网络包的传输效率</a:t>
+              <a:t>作用：sendfile开启的情况下，</a:t>
+            </a:r>
+            <a:r>
+              <a:rPr lang="zh-CN" altLang="en-US" sz="1000">
+                <a:solidFill>
+                  <a:schemeClr val="accent3"/>
+                </a:solidFill>
+              </a:rPr>
+              <a:t>提高网络包的传输效率</a:t>
             </a:r>
             <a:endParaRPr lang="zh-CN" altLang="en-US" sz="1000"/>
           </a:p>
@@ -7321,9 +7444,21 @@
             </a:pPr>
             <a:r>
               <a:rPr lang="zh-CN" altLang="en-US" sz="1000"/>
-              <a:t>作用：keepalive连接下，提高网络包的传输实时性</a:t>
-            </a:r>
-            <a:endParaRPr lang="zh-CN" altLang="en-US" sz="1000"/>
+              <a:t>作用：keepalive连接下，</a:t>
+            </a:r>
+            <a:r>
+              <a:rPr lang="zh-CN" altLang="en-US" sz="1000">
+                <a:solidFill>
+                  <a:schemeClr val="accent3"/>
+                </a:solidFill>
+              </a:rPr>
+              <a:t>提高网络包的传输实时性</a:t>
+            </a:r>
+            <a:endParaRPr lang="zh-CN" altLang="en-US" sz="1000">
+              <a:solidFill>
+                <a:schemeClr val="accent3"/>
+              </a:solidFill>
+            </a:endParaRPr>
           </a:p>
         </p:txBody>
       </p:sp>
@@ -7427,9 +7562,21 @@
             </a:pPr>
             <a:r>
               <a:rPr lang="zh-CN" altLang="en-US" sz="1600"/>
-              <a:t>作用：压缩传输，减少文件大小，带宽的消耗</a:t>
-            </a:r>
-            <a:endParaRPr lang="zh-CN" altLang="en-US" sz="1600"/>
+              <a:t>作用：</a:t>
+            </a:r>
+            <a:r>
+              <a:rPr lang="zh-CN" altLang="en-US" sz="1600">
+                <a:solidFill>
+                  <a:schemeClr val="accent3"/>
+                </a:solidFill>
+              </a:rPr>
+              <a:t>压缩传输，减少文件大小，带宽的消耗</a:t>
+            </a:r>
+            <a:endParaRPr lang="zh-CN" altLang="en-US" sz="1600">
+              <a:solidFill>
+                <a:schemeClr val="accent3"/>
+              </a:solidFill>
+            </a:endParaRPr>
           </a:p>
           <a:p>
             <a:pPr marL="0" indent="0" algn="l">
@@ -7526,8 +7673,16 @@
               <a:buNone/>
             </a:pPr>
             <a:r>
+              <a:rPr lang="zh-CN" altLang="en-US" sz="1600">
+                <a:solidFill>
+                  <a:schemeClr val="accent3"/>
+                </a:solidFill>
+              </a:rPr>
+              <a:t>http_gzip_static_module</a:t>
+            </a:r>
+            <a:r>
               <a:rPr lang="zh-CN" altLang="en-US" sz="1600"/>
-              <a:t>http_gzip_static_module 预读gzip功能</a:t>
+              <a:t> 预读gzip功能</a:t>
             </a:r>
             <a:endParaRPr lang="zh-CN" altLang="en-US" sz="1600"/>
           </a:p>
@@ -7719,7 +7874,15 @@
           <a:p>
             <a:r>
               <a:rPr lang="zh-CN" altLang="en-US"/>
-              <a:t>文件压缩：文件压缩的效果比较好</a:t>
+              <a:t>文件压缩：</a:t>
+            </a:r>
+            <a:r>
+              <a:rPr lang="zh-CN" altLang="en-US">
+                <a:solidFill>
+                  <a:schemeClr val="accent3"/>
+                </a:solidFill>
+              </a:rPr>
+              <a:t>文件压缩的效果比较好</a:t>
             </a:r>
             <a:endParaRPr lang="zh-CN" altLang="en-US"/>
           </a:p>
@@ -7754,7 +7917,19 @@
           <a:p>
             <a:r>
               <a:rPr lang="zh-CN" altLang="en-US"/>
-              <a:t>    gzip_types text/plain application/javascript application/x-javascript text/css application/xml text/javascript application/x-httpd-php image/jpeg image/gif image/png;</a:t>
+              <a:t>    </a:t>
+            </a:r>
+            <a:r>
+              <a:rPr lang="zh-CN" altLang="en-US">
+                <a:solidFill>
+                  <a:schemeClr val="accent3"/>
+                </a:solidFill>
+              </a:rPr>
+              <a:t>gzip_types</a:t>
+            </a:r>
+            <a:r>
+              <a:rPr lang="zh-CN" altLang="en-US"/>
+              <a:t> text/plain application/javascript application/x-javascript text/css application/xml text/javascript application/x-httpd-php image/jpeg image/gif image/png;</a:t>
             </a:r>
             <a:endParaRPr lang="zh-CN" altLang="en-US"/>
           </a:p>
@@ -8036,17 +8211,23 @@
             </a:pPr>
             <a:r>
               <a:rPr lang="zh-CN" altLang="en-US"/>
-              <a:t>校验过期机制：</a:t>
-            </a:r>
-            <a:endParaRPr lang="zh-CN" altLang="en-US"/>
-          </a:p>
-          <a:p>
-            <a:pPr marL="0" indent="0">
-              <a:buNone/>
-            </a:pPr>
-            <a:r>
-              <a:rPr lang="zh-CN" altLang="en-US"/>
-              <a:t>校验是否过期：                 Expires(1.0版本) Cache-Control(max-age) 1.1版本</a:t>
+              <a:t>校验过期机制：（https://blog.csdn.net/eroswang/article/details/8302191）</a:t>
+            </a:r>
+            <a:endParaRPr lang="zh-CN" altLang="en-US"/>
+          </a:p>
+          <a:p>
+            <a:pPr marL="0" indent="0">
+              <a:buNone/>
+            </a:pPr>
+            <a:r>
+              <a:rPr lang="zh-CN" altLang="en-US"/>
+              <a:t>校验是否过期：                 Expires(1.0版本) Cache-Control(max-age) 1.1版本，结合</a:t>
+            </a:r>
+            <a:r>
+              <a:rPr lang="zh-CN" altLang="en-US">
+                <a:sym typeface="+mn-ea"/>
+              </a:rPr>
+              <a:t>Last-Modified使用</a:t>
             </a:r>
             <a:endParaRPr lang="zh-CN" altLang="en-US"/>
           </a:p>
@@ -8066,7 +8247,19 @@
             </a:pPr>
             <a:r>
               <a:rPr lang="zh-CN" altLang="en-US"/>
-              <a:t>Last-Modified头信息校验：      Last-Modified (具体的时间，用于和服务端进行校验)</a:t>
+              <a:t>Last-Modified头信息校验：      Last-Modified (具体的时间，</a:t>
+            </a:r>
+            <a:r>
+              <a:rPr lang="zh-CN" altLang="en-US">
+                <a:solidFill>
+                  <a:schemeClr val="accent3"/>
+                </a:solidFill>
+              </a:rPr>
+              <a:t>用于和服务端进行校验</a:t>
+            </a:r>
+            <a:r>
+              <a:rPr lang="zh-CN" altLang="en-US"/>
+              <a:t>)</a:t>
             </a:r>
             <a:endParaRPr lang="zh-CN" altLang="en-US"/>
           </a:p>
@@ -8932,7 +9125,7 @@
         <p:spPr/>
         <p:txBody>
           <a:bodyPr>
-            <a:normAutofit fontScale="50000"/>
+            <a:normAutofit fontScale="40000"/>
           </a:bodyPr>
           <a:p>
             <a:pPr marL="0" indent="0">
@@ -8940,7 +9133,41 @@
             </a:pPr>
             <a:r>
               <a:rPr lang="zh-CN" altLang="en-US"/>
-              <a:t>GSLB、SLB 两种方式</a:t>
+              <a:t>GSLB</a:t>
+            </a:r>
+            <a:r>
+              <a:rPr lang="en-US" altLang="zh-CN"/>
+              <a:t>(全局负载均衡)</a:t>
+            </a:r>
+            <a:r>
+              <a:rPr lang="zh-CN" altLang="en-US"/>
+              <a:t>、SLB</a:t>
+            </a:r>
+            <a:r>
+              <a:rPr lang="en-US" altLang="zh-CN"/>
+              <a:t>(</a:t>
+            </a:r>
+            <a:r>
+              <a:rPr lang="zh-CN" altLang="en-US"/>
+              <a:t>负载均衡</a:t>
+            </a:r>
+            <a:r>
+              <a:rPr lang="en-US" altLang="zh-CN"/>
+              <a:t>)</a:t>
+            </a:r>
+            <a:r>
+              <a:rPr lang="zh-CN" altLang="en-US"/>
+              <a:t> 两种方式</a:t>
+            </a:r>
+            <a:endParaRPr lang="zh-CN" altLang="en-US"/>
+          </a:p>
+          <a:p>
+            <a:pPr marL="0" indent="0">
+              <a:buNone/>
+            </a:pPr>
+            <a:r>
+              <a:rPr lang="zh-CN" altLang="en-US"/>
+              <a:t>（https://jjayyyyyyy.github.io/2017/05/17/GSLB.html）</a:t>
             </a:r>
             <a:endParaRPr lang="zh-CN" altLang="en-US"/>
           </a:p>
@@ -9280,9 +9507,22 @@
         </p:nvSpPr>
         <p:spPr/>
         <p:txBody>
-          <a:bodyPr/>
-          <a:p>
-            <a:endParaRPr lang="zh-CN" altLang="en-US"/>
+          <a:bodyPr>
+            <a:normAutofit/>
+          </a:bodyPr>
+          <a:p>
+            <a:r>
+              <a:rPr lang="zh-CN" altLang="en-US" sz="1200"/>
+              <a:t>其它所有的非backup机器down或者忙的时候，请求backup机器。所以这台机器压力会最轻</a:t>
+            </a:r>
+            <a:br>
+              <a:rPr lang="zh-CN" altLang="en-US" sz="1200"/>
+            </a:br>
+            <a:r>
+              <a:rPr lang="zh-CN" altLang="en-US" sz="1200"/>
+              <a:t>有某台服务器不可用，你必须标记其为“down”</a:t>
+            </a:r>
+            <a:endParaRPr lang="zh-CN" altLang="en-US" sz="1200"/>
           </a:p>
         </p:txBody>
       </p:sp>
@@ -9304,7 +9544,7 @@
         </p:blipFill>
         <p:spPr>
           <a:xfrm>
-            <a:off x="3136900" y="1940560"/>
+            <a:off x="3144520" y="1940560"/>
             <a:ext cx="5918200" cy="4232275"/>
           </a:xfrm>
           <a:prstGeom prst="rect">
@@ -9778,7 +10018,11 @@
               <a:rPr lang="zh-CN" altLang="en-US"/>
               <a:t>动静分离</a:t>
             </a:r>
-            <a:endParaRPr lang="zh-CN" altLang="en-US"/>
+            <a:r>
+              <a:rPr lang="zh-CN" altLang="en-US" sz="1400"/>
+              <a:t>（动态文件与静态文件的分离，有些请求是不需要经过后台处理的，提高用户访问静态代码的速度，降低对后台应用访问）</a:t>
+            </a:r>
+            <a:endParaRPr lang="zh-CN" altLang="en-US" sz="1400"/>
           </a:p>
         </p:txBody>
       </p:sp>
@@ -9955,7 +10199,31 @@
             </a:pPr>
             <a:r>
               <a:rPr lang="zh-CN" altLang="en-US"/>
-              <a:t>    rewrite ^/baidu http://www.baidu.com/ permanent;  //永久重定向到百度</a:t>
+              <a:t>    rewrite ^/baidu http://www.baidu.com/ permanent;  //永久重定向到百度（被 Chrome 存储到 disk cache（磁盘缓存）即使修改</a:t>
+            </a:r>
+            <a:r>
+              <a:rPr lang="en-US" altLang="zh-CN"/>
+              <a:t>nginx</a:t>
+            </a:r>
+            <a:r>
+              <a:rPr lang="zh-CN" altLang="en-US"/>
+              <a:t>也没用</a:t>
+            </a:r>
+            <a:r>
+              <a:rPr lang="en-US" altLang="zh-CN"/>
+              <a:t>[</a:t>
+            </a:r>
+            <a:r>
+              <a:rPr lang="zh-CN" altLang="en-US"/>
+              <a:t>清缓存，无痕模式，Disable cache</a:t>
+            </a:r>
+            <a:r>
+              <a:rPr lang="en-US" altLang="zh-CN"/>
+              <a:t>]</a:t>
+            </a:r>
+            <a:r>
+              <a:rPr lang="zh-CN" altLang="en-US"/>
+              <a:t>）</a:t>
             </a:r>
             <a:endParaRPr lang="zh-CN" altLang="en-US"/>
           </a:p>
@@ -10465,7 +10733,7 @@
         <p:spPr/>
         <p:txBody>
           <a:bodyPr>
-            <a:normAutofit fontScale="70000"/>
+            <a:normAutofit fontScale="60000"/>
           </a:bodyPr>
           <a:p>
             <a:pPr marL="0" indent="0">
@@ -10623,11 +10891,17 @@
             </a:r>
             <a:r>
               <a:rPr lang="zh-CN" altLang="en-US"/>
-              <a:t>上</a:t>
-            </a:r>
-            <a:r>
-              <a:rPr lang="zh-CN" altLang="en-US"/>
-              <a:t>）</a:t>
+              <a:t>上）</a:t>
+            </a:r>
+            <a:endParaRPr lang="zh-CN" altLang="en-US"/>
+          </a:p>
+          <a:p>
+            <a:pPr marL="457200" lvl="1" indent="0">
+              <a:buNone/>
+            </a:pPr>
+            <a:r>
+              <a:rPr lang="zh-CN" altLang="en-US"/>
+              <a:t>如果在单个cpu上起了多个worker进程，那么，操作系统会在多个woker之间进行调度，这种情况会降低系统性能，如果只有一个cpu，那么只启动一个woker进程就可以了</a:t>
             </a:r>
             <a:endParaRPr lang="zh-CN" altLang="en-US"/>
           </a:p>
@@ -10720,7 +10994,23 @@
         <p:txBody>
           <a:bodyPr/>
           <a:p>
-            <a:endParaRPr lang="zh-CN" altLang="en-US"/>
+            <a:r>
+              <a:rPr lang="en-US" altLang="zh-CN" sz="1000"/>
+              <a:t>secure_link = 0 j</a:t>
+            </a:r>
+            <a:r>
+              <a:rPr lang="zh-CN" altLang="en-US" sz="1000"/>
+              <a:t>传过来</a:t>
+            </a:r>
+            <a:r>
+              <a:rPr lang="en-US" altLang="zh-CN" sz="1000"/>
+              <a:t>MD5</a:t>
+            </a:r>
+            <a:r>
+              <a:rPr lang="zh-CN" altLang="en-US" sz="1000"/>
+              <a:t>不对</a:t>
+            </a:r>
+            <a:endParaRPr lang="zh-CN" altLang="en-US" sz="1000"/>
           </a:p>
         </p:txBody>
       </p:sp>
@@ -10976,7 +11266,19 @@
             </a:pPr>
             <a:r>
               <a:rPr lang="zh-CN" altLang="en-US"/>
-              <a:t>在nginx.conf最上层加载模块：</a:t>
+              <a:t>在</a:t>
+            </a:r>
+            <a:r>
+              <a:rPr lang="zh-CN" altLang="en-US">
+                <a:solidFill>
+                  <a:schemeClr val="accent3"/>
+                </a:solidFill>
+              </a:rPr>
+              <a:t>nginx.conf最上层加载模块</a:t>
+            </a:r>
+            <a:r>
+              <a:rPr lang="zh-CN" altLang="en-US"/>
+              <a:t>：</a:t>
             </a:r>
             <a:endParaRPr lang="zh-CN" altLang="en-US"/>
           </a:p>
@@ -11386,7 +11688,11 @@
               <a:buNone/>
             </a:pPr>
             <a:r>
-              <a:rPr lang="zh-CN" altLang="en-US"/>
+              <a:rPr lang="zh-CN" altLang="en-US">
+                <a:solidFill>
+                  <a:schemeClr val="accent3"/>
+                </a:solidFill>
+              </a:rPr>
               <a:t>同时用到了对称和非对称加密</a:t>
             </a:r>
             <a:endParaRPr lang="zh-CN" altLang="en-US"/>
@@ -11779,7 +12085,19 @@
             </a:pPr>
             <a:r>
               <a:rPr lang="zh-CN" altLang="en-US"/>
-              <a:t>    listen          443;</a:t>
+              <a:t>    listen          </a:t>
+            </a:r>
+            <a:r>
+              <a:rPr lang="zh-CN" altLang="en-US">
+                <a:solidFill>
+                  <a:schemeClr val="accent3"/>
+                </a:solidFill>
+              </a:rPr>
+              <a:t>443</a:t>
+            </a:r>
+            <a:r>
+              <a:rPr lang="zh-CN" altLang="en-US"/>
+              <a:t>;</a:t>
             </a:r>
             <a:endParaRPr lang="zh-CN" altLang="en-US"/>
           </a:p>
@@ -12076,7 +12394,19 @@
         </p:nvSpPr>
         <p:spPr/>
         <p:txBody>
-          <a:bodyPr/>
+          <a:bodyPr>
+            <a:normAutofit fontScale="70000"/>
+          </a:bodyPr>
+          <a:p>
+            <a:pPr marL="0" indent="0">
+              <a:buNone/>
+            </a:pPr>
+            <a:r>
+              <a:rPr lang="zh-CN" altLang="en-US"/>
+              <a:t>相比于普通的 HTTP 请求，HTTPS 请求需要占用更多的资源用于 TLS 协议、证书的验证、请求实体的加密验证等等，最直观的体验就是访问 HTTPS 的网站会比访问 HTTP 协议的网站要慢</a:t>
+            </a:r>
+            <a:endParaRPr lang="zh-CN" altLang="en-US"/>
+          </a:p>
           <a:p>
             <a:pPr marL="0" indent="0">
               <a:buNone/>
@@ -12129,7 +12459,27 @@
             </a:pPr>
             <a:r>
               <a:rPr lang="zh-CN" altLang="en-US"/>
-              <a:t>ssl_session_cache   shared:SSL:10m;   //缓存10M</a:t>
+              <a:t>ssl_session_cache   shared:SSL:10m;   //缓存10M  服务端</a:t>
+            </a:r>
+            <a:endParaRPr lang="zh-CN" altLang="en-US"/>
+          </a:p>
+          <a:p>
+            <a:pPr marL="0" indent="0">
+              <a:buNone/>
+            </a:pPr>
+            <a:r>
+              <a:rPr lang="zh-CN" altLang="en-US"/>
+              <a:t>ssl_session_tickets on   </a:t>
+            </a:r>
+            <a:r>
+              <a:rPr lang="en-US" altLang="zh-CN"/>
+              <a:t>//</a:t>
+            </a:r>
+            <a:r>
+              <a:rPr lang="zh-CN" altLang="en-US">
+                <a:sym typeface="+mn-ea"/>
+              </a:rPr>
+              <a:t>ssl_session_tickets 客户端</a:t>
             </a:r>
             <a:endParaRPr lang="zh-CN" altLang="en-US"/>
           </a:p>
@@ -12178,11 +12528,33 @@
         </p:nvSpPr>
         <p:spPr/>
         <p:txBody>
-          <a:bodyPr/>
-          <a:p>
-            <a:r>
-              <a:rPr lang="zh-CN" altLang="en-US"/>
-              <a:t>Nginx与Lua结合</a:t>
+          <a:bodyPr>
+            <a:normAutofit/>
+          </a:bodyPr>
+          <a:p>
+            <a:r>
+              <a:rPr lang="zh-CN" altLang="en-US"/>
+              <a:t>Nginx与Lua结合（</a:t>
+            </a:r>
+            <a:r>
+              <a:rPr lang="zh-CN" altLang="en-US" sz="1000"/>
+              <a:t>高性能的脚本语言扩展nginx，</a:t>
+            </a:r>
+            <a:r>
+              <a:rPr lang="en-US" altLang="zh-CN" sz="1000"/>
+              <a:t>nginx</a:t>
+            </a:r>
+            <a:r>
+              <a:rPr lang="zh-CN" altLang="en-US" sz="1000"/>
+              <a:t>支持</a:t>
+            </a:r>
+            <a:r>
+              <a:rPr lang="en-US" altLang="zh-CN" sz="1000"/>
+              <a:t>lua</a:t>
+            </a:r>
+            <a:r>
+              <a:rPr lang="zh-CN" altLang="en-US"/>
+              <a:t>）</a:t>
             </a:r>
             <a:endParaRPr lang="zh-CN" altLang="en-US"/>
           </a:p>
@@ -12520,7 +12892,7 @@
         </p:blipFill>
         <p:spPr>
           <a:xfrm>
-            <a:off x="3057525" y="1940560"/>
+            <a:off x="3057525" y="1932940"/>
             <a:ext cx="6076315" cy="4232275"/>
           </a:xfrm>
           <a:prstGeom prst="rect">
@@ -12585,7 +12957,7 @@
         </p:blipFill>
         <p:spPr>
           <a:xfrm>
-            <a:off x="2586990" y="1940560"/>
+            <a:off x="2587625" y="1800860"/>
             <a:ext cx="7017385" cy="4232275"/>
           </a:xfrm>
           <a:prstGeom prst="rect">
@@ -12979,7 +13351,9 @@
         </p:nvSpPr>
         <p:spPr/>
         <p:txBody>
-          <a:bodyPr/>
+          <a:bodyPr>
+            <a:normAutofit fontScale="30000"/>
+          </a:bodyPr>
           <a:p>
             <a:pPr marL="0" indent="0">
               <a:buNone/>
@@ -12995,6 +13369,32 @@
               <a:buNone/>
             </a:pPr>
             <a:r>
+              <a:rPr lang="en-US" altLang="zh-CN"/>
+              <a:t>1</a:t>
+            </a:r>
+            <a:r>
+              <a:rPr lang="zh-CN" altLang="en-US"/>
+              <a:t>、</a:t>
+            </a:r>
+            <a:r>
+              <a:rPr lang="zh-CN" altLang="en-US"/>
+              <a:t>使用nginx自带的realip模块。此模块可将真实客户端IP地址设置进HTTP请求头中，以便后端的web服务器获取</a:t>
+            </a:r>
+            <a:endParaRPr lang="zh-CN" altLang="en-US"/>
+          </a:p>
+          <a:p>
+            <a:pPr marL="0" indent="0">
+              <a:buNone/>
+            </a:pPr>
+            <a:r>
+              <a:rPr lang="en-US" altLang="zh-CN"/>
+              <a:t>2</a:t>
+            </a:r>
+            <a:r>
+              <a:rPr lang="zh-CN" altLang="en-US"/>
+              <a:t>、</a:t>
+            </a:r>
+            <a:r>
               <a:rPr lang="zh-CN" altLang="en-US"/>
               <a:t>用户-代理1-代理2。。。-后端服务</a:t>
             </a:r>
@@ -13007,6 +13407,98 @@
             <a:r>
               <a:rPr lang="zh-CN" altLang="en-US"/>
               <a:t>set x_real_ip=$remote_addr,每级代理都传</a:t>
+            </a:r>
+            <a:endParaRPr lang="zh-CN" altLang="en-US"/>
+          </a:p>
+          <a:p>
+            <a:pPr marL="0" indent="0">
+              <a:buNone/>
+            </a:pPr>
+            <a:r>
+              <a:rPr lang="zh-CN" altLang="en-US"/>
+              <a:t>对第一级nginx代理</a:t>
+            </a:r>
+            <a:endParaRPr lang="zh-CN" altLang="en-US"/>
+          </a:p>
+          <a:p>
+            <a:pPr marL="0" indent="0">
+              <a:buNone/>
+            </a:pPr>
+            <a:endParaRPr lang="zh-CN" altLang="en-US"/>
+          </a:p>
+          <a:p>
+            <a:pPr marL="0" indent="0">
+              <a:buNone/>
+            </a:pPr>
+            <a:r>
+              <a:rPr lang="zh-CN" altLang="en-US"/>
+              <a:t>location ~ ^/test {</a:t>
+            </a:r>
+            <a:endParaRPr lang="zh-CN" altLang="en-US"/>
+          </a:p>
+          <a:p>
+            <a:pPr marL="0" indent="0">
+              <a:buNone/>
+            </a:pPr>
+            <a:r>
+              <a:rPr lang="zh-CN" altLang="en-US"/>
+              <a:t>　　proxy_pass http://127.0.0.1:8888;</a:t>
+            </a:r>
+            <a:endParaRPr lang="zh-CN" altLang="en-US"/>
+          </a:p>
+          <a:p>
+            <a:pPr marL="0" indent="0">
+              <a:buNone/>
+            </a:pPr>
+            <a:r>
+              <a:rPr lang="zh-CN" altLang="en-US"/>
+              <a:t>　　proxy_set_header Host $host;</a:t>
+            </a:r>
+            <a:endParaRPr lang="zh-CN" altLang="en-US"/>
+          </a:p>
+          <a:p>
+            <a:pPr marL="0" indent="0">
+              <a:buNone/>
+            </a:pPr>
+            <a:r>
+              <a:rPr lang="zh-CN" altLang="en-US"/>
+              <a:t>　　proxy_set_header X-real-ip $remote_addr;</a:t>
+            </a:r>
+            <a:endParaRPr lang="zh-CN" altLang="en-US"/>
+          </a:p>
+          <a:p>
+            <a:pPr marL="0" indent="0">
+              <a:buNone/>
+            </a:pPr>
+            <a:r>
+              <a:rPr lang="zh-CN" altLang="en-US"/>
+              <a:t>　　proxy_set_header X-Forwarded-For $remote_addr;</a:t>
+            </a:r>
+            <a:endParaRPr lang="zh-CN" altLang="en-US"/>
+          </a:p>
+          <a:p>
+            <a:pPr marL="0" indent="0">
+              <a:buNone/>
+            </a:pPr>
+            <a:r>
+              <a:rPr lang="zh-CN" altLang="en-US"/>
+              <a:t>}</a:t>
+            </a:r>
+            <a:endParaRPr lang="zh-CN" altLang="en-US"/>
+          </a:p>
+          <a:p>
+            <a:pPr marL="0" indent="0">
+              <a:buNone/>
+            </a:pPr>
+            <a:endParaRPr lang="zh-CN" altLang="en-US"/>
+          </a:p>
+          <a:p>
+            <a:pPr marL="0" indent="0">
+              <a:buNone/>
+            </a:pPr>
+            <a:r>
+              <a:rPr lang="zh-CN" altLang="en-US"/>
+              <a:t>第一级nginx代理不需要改动，直接将原始客户端ip记录到X-Forwarded-For即可</a:t>
             </a:r>
             <a:endParaRPr lang="zh-CN" altLang="en-US"/>
           </a:p>
@@ -13024,6 +13516,204 @@
 </file>
 
 <file path=ppt/slides/slide71.xml><?xml version="1.0" encoding="utf-8"?>
+<p:sld xmlns:a="http://schemas.openxmlformats.org/drawingml/2006/main" xmlns:r="http://schemas.openxmlformats.org/officeDocument/2006/relationships" xmlns:p="http://schemas.openxmlformats.org/presentationml/2006/main">
+  <p:cSld>
+    <p:spTree>
+      <p:nvGrpSpPr>
+        <p:cNvPr id="1" name=""/>
+        <p:cNvGrpSpPr/>
+        <p:nvPr/>
+      </p:nvGrpSpPr>
+      <p:grpSpPr/>
+      <p:sp>
+        <p:nvSpPr>
+          <p:cNvPr id="2" name="标题 1"/>
+          <p:cNvSpPr>
+            <a:spLocks noGrp="1"/>
+          </p:cNvSpPr>
+          <p:nvPr>
+            <p:ph type="title"/>
+          </p:nvPr>
+        </p:nvSpPr>
+        <p:spPr/>
+        <p:txBody>
+          <a:bodyPr/>
+          <a:p>
+            <a:endParaRPr lang="zh-CN" altLang="en-US"/>
+          </a:p>
+        </p:txBody>
+      </p:sp>
+      <p:sp>
+        <p:nvSpPr>
+          <p:cNvPr id="3" name="内容占位符 2"/>
+          <p:cNvSpPr>
+            <a:spLocks noGrp="1"/>
+          </p:cNvSpPr>
+          <p:nvPr>
+            <p:ph idx="1"/>
+          </p:nvPr>
+        </p:nvSpPr>
+        <p:spPr/>
+        <p:txBody>
+          <a:bodyPr>
+            <a:normAutofit fontScale="30000"/>
+          </a:bodyPr>
+          <a:p>
+            <a:pPr marL="0" indent="0">
+              <a:buNone/>
+            </a:pPr>
+            <a:r>
+              <a:rPr lang="zh-CN" altLang="en-US"/>
+              <a:t>对于第二级，以及之后可能存在的更多级代理</a:t>
+            </a:r>
+            <a:endParaRPr lang="zh-CN" altLang="en-US"/>
+          </a:p>
+          <a:p>
+            <a:pPr marL="0" indent="0">
+              <a:buNone/>
+            </a:pPr>
+            <a:endParaRPr lang="zh-CN" altLang="en-US"/>
+          </a:p>
+          <a:p>
+            <a:pPr marL="0" indent="0">
+              <a:buNone/>
+            </a:pPr>
+            <a:r>
+              <a:rPr lang="zh-CN" altLang="en-US"/>
+              <a:t>location ~ ^/test {</a:t>
+            </a:r>
+            <a:endParaRPr lang="zh-CN" altLang="en-US"/>
+          </a:p>
+          <a:p>
+            <a:pPr marL="0" indent="0">
+              <a:buNone/>
+            </a:pPr>
+            <a:r>
+              <a:rPr lang="zh-CN" altLang="en-US"/>
+              <a:t>　　proxy_pass http://127.0.0.1:12000;</a:t>
+            </a:r>
+            <a:endParaRPr lang="zh-CN" altLang="en-US"/>
+          </a:p>
+          <a:p>
+            <a:pPr marL="0" indent="0">
+              <a:buNone/>
+            </a:pPr>
+            <a:r>
+              <a:rPr lang="zh-CN" altLang="en-US"/>
+              <a:t>　　proxy_set_header Host $host;</a:t>
+            </a:r>
+            <a:endParaRPr lang="zh-CN" altLang="en-US"/>
+          </a:p>
+          <a:p>
+            <a:pPr marL="0" indent="0">
+              <a:buNone/>
+            </a:pPr>
+            <a:r>
+              <a:rPr lang="zh-CN" altLang="en-US"/>
+              <a:t>　　proxy_set_header X-real-ip $remote_addr;</a:t>
+            </a:r>
+            <a:endParaRPr lang="zh-CN" altLang="en-US"/>
+          </a:p>
+          <a:p>
+            <a:pPr marL="0" indent="0">
+              <a:buNone/>
+            </a:pPr>
+            <a:r>
+              <a:rPr lang="zh-CN" altLang="en-US"/>
+              <a:t>　　proxy_set_header X-Forwarded-For $proxy_add_x_forwarded_for;</a:t>
+            </a:r>
+            <a:endParaRPr lang="zh-CN" altLang="en-US"/>
+          </a:p>
+          <a:p>
+            <a:pPr marL="0" indent="0">
+              <a:buNone/>
+            </a:pPr>
+            <a:r>
+              <a:rPr lang="zh-CN" altLang="en-US"/>
+              <a:t>}</a:t>
+            </a:r>
+            <a:endParaRPr lang="zh-CN" altLang="en-US"/>
+          </a:p>
+          <a:p>
+            <a:pPr marL="0" indent="0">
+              <a:buNone/>
+            </a:pPr>
+            <a:endParaRPr lang="zh-CN" altLang="en-US"/>
+          </a:p>
+          <a:p>
+            <a:pPr marL="0" indent="0">
+              <a:buNone/>
+            </a:pPr>
+            <a:r>
+              <a:rPr lang="zh-CN" altLang="en-US"/>
+              <a:t>这样就将新一级代理的ip接到X-Forwarded-For的尾部，并用逗号分割。也就是说X-Forwarded-For是一个逗号拼接的ip字符串，想拿到原始ip只需要按逗号分割，取第一位ip即可</a:t>
+            </a:r>
+            <a:endParaRPr lang="zh-CN" altLang="en-US"/>
+          </a:p>
+          <a:p>
+            <a:pPr marL="0" indent="0">
+              <a:buNone/>
+            </a:pPr>
+            <a:r>
+              <a:rPr lang="zh-CN" altLang="en-US"/>
+              <a:t>real_ip := r.Header.Get("X-Forwarded-For")</a:t>
+            </a:r>
+            <a:endParaRPr lang="zh-CN" altLang="en-US"/>
+          </a:p>
+          <a:p>
+            <a:pPr marL="0" indent="0">
+              <a:buNone/>
+            </a:pPr>
+            <a:r>
+              <a:rPr lang="zh-CN" altLang="en-US"/>
+              <a:t>	ip_list := strings.Split(real_ip, ",")</a:t>
+            </a:r>
+            <a:endParaRPr lang="zh-CN" altLang="en-US"/>
+          </a:p>
+          <a:p>
+            <a:pPr marL="0" indent="0">
+              <a:buNone/>
+            </a:pPr>
+            <a:r>
+              <a:rPr lang="zh-CN" altLang="en-US"/>
+              <a:t>	if len(ip_list) &gt; 1 {</a:t>
+            </a:r>
+            <a:endParaRPr lang="zh-CN" altLang="en-US"/>
+          </a:p>
+          <a:p>
+            <a:pPr marL="0" indent="0">
+              <a:buNone/>
+            </a:pPr>
+            <a:r>
+              <a:rPr lang="zh-CN" altLang="en-US"/>
+              <a:t>		real_ip = ip_list[0]</a:t>
+            </a:r>
+            <a:endParaRPr lang="zh-CN" altLang="en-US"/>
+          </a:p>
+          <a:p>
+            <a:pPr marL="0" indent="0">
+              <a:buNone/>
+            </a:pPr>
+            <a:r>
+              <a:rPr lang="zh-CN" altLang="en-US"/>
+              <a:t>	}</a:t>
+            </a:r>
+            <a:endParaRPr lang="zh-CN" altLang="en-US"/>
+          </a:p>
+        </p:txBody>
+      </p:sp>
+    </p:spTree>
+    <p:custDataLst>
+      <p:tags r:id="rId1"/>
+    </p:custDataLst>
+  </p:cSld>
+  <p:clrMapOvr>
+    <a:masterClrMapping/>
+  </p:clrMapOvr>
+</p:sld>
+</file>
+
+<file path=ppt/slides/slide72.xml><?xml version="1.0" encoding="utf-8"?>
 <p:sld xmlns:a="http://schemas.openxmlformats.org/drawingml/2006/main" xmlns:r="http://schemas.openxmlformats.org/officeDocument/2006/relationships" xmlns:p="http://schemas.openxmlformats.org/presentationml/2006/main">
   <p:cSld>
     <p:spTree>
@@ -13092,7 +13782,7 @@
 </p:sld>
 </file>
 
-<file path=ppt/slides/slide72.xml><?xml version="1.0" encoding="utf-8"?>
+<file path=ppt/slides/slide73.xml><?xml version="1.0" encoding="utf-8"?>
 <p:sld xmlns:a="http://schemas.openxmlformats.org/drawingml/2006/main" xmlns:r="http://schemas.openxmlformats.org/officeDocument/2006/relationships" xmlns:p="http://schemas.openxmlformats.org/presentationml/2006/main">
   <p:cSld>
     <p:spTree>
@@ -13157,7 +13847,7 @@
 </p:sld>
 </file>
 
-<file path=ppt/slides/slide73.xml><?xml version="1.0" encoding="utf-8"?>
+<file path=ppt/slides/slide74.xml><?xml version="1.0" encoding="utf-8"?>
 <p:sld xmlns:a="http://schemas.openxmlformats.org/drawingml/2006/main" xmlns:r="http://schemas.openxmlformats.org/officeDocument/2006/relationships" xmlns:p="http://schemas.openxmlformats.org/presentationml/2006/main">
   <p:cSld>
     <p:spTree>
@@ -13222,7 +13912,7 @@
 </p:sld>
 </file>
 
-<file path=ppt/slides/slide74.xml><?xml version="1.0" encoding="utf-8"?>
+<file path=ppt/slides/slide75.xml><?xml version="1.0" encoding="utf-8"?>
 <p:sld xmlns:a="http://schemas.openxmlformats.org/drawingml/2006/main" xmlns:r="http://schemas.openxmlformats.org/officeDocument/2006/relationships" xmlns:p="http://schemas.openxmlformats.org/presentationml/2006/main">
   <p:cSld>
     <p:spTree>
@@ -14169,6 +14859,14 @@
 
 <file path=ppt/tags/tag168.xml><?xml version="1.0" encoding="utf-8"?>
 <p:tagLst xmlns:p="http://schemas.openxmlformats.org/presentationml/2006/main">
+  <p:tag name="KSO_WM_BEAUTIFY_FLAG" val="#wm#"/>
+  <p:tag name="KSO_WM_TEMPLATE_CATEGORY" val="custom"/>
+  <p:tag name="KSO_WM_TEMPLATE_INDEX" val="20186513"/>
+</p:tagLst>
+</file>
+
+<file path=ppt/tags/tag169.xml><?xml version="1.0" encoding="utf-8"?>
+<p:tagLst xmlns:p="http://schemas.openxmlformats.org/presentationml/2006/main">
   <p:tag name="KSO_WM_TEMPLATE_CATEGORY" val="custom"/>
   <p:tag name="KSO_WM_TEMPLATE_INDEX" val="20186513"/>
   <p:tag name="KSO_WM_UNIT_TYPE" val="a"/>
@@ -14187,7 +14885,20 @@
 </p:tagLst>
 </file>
 
-<file path=ppt/tags/tag169.xml><?xml version="1.0" encoding="utf-8"?>
+<file path=ppt/tags/tag17.xml><?xml version="1.0" encoding="utf-8"?>
+<p:tagLst xmlns:p="http://schemas.openxmlformats.org/presentationml/2006/main">
+  <p:tag name="KSO_WM_UNIT_HIGHLIGHT" val="0"/>
+  <p:tag name="KSO_WM_UNIT_COMPATIBLE" val="0"/>
+  <p:tag name="KSO_WM_UNIT_DIAGRAM_ISNUMVISUAL" val="0"/>
+  <p:tag name="KSO_WM_UNIT_DIAGRAM_ISREFERUNIT" val="0"/>
+  <p:tag name="KSO_WM_UNIT_ID" val="_3**"/>
+  <p:tag name="KSO_WM_UNIT_LAYERLEVEL" val="1"/>
+  <p:tag name="KSO_WM_TAG_VERSION" val="1.0"/>
+  <p:tag name="KSO_WM_BEAUTIFY_FLAG" val="#wm#"/>
+</p:tagLst>
+</file>
+
+<file path=ppt/tags/tag170.xml><?xml version="1.0" encoding="utf-8"?>
 <p:tagLst xmlns:p="http://schemas.openxmlformats.org/presentationml/2006/main">
   <p:tag name="KSO_WM_TEMPLATE_CATEGORY" val="custom"/>
   <p:tag name="KSO_WM_TEMPLATE_INDEX" val="20186513"/>
@@ -14199,19 +14910,6 @@
   <p:tag name="KSO_WM_SLIDE_LAYOUT_CNT" val="1"/>
   <p:tag name="KSO_WM_SLIDE_TYPE" val="endPage"/>
   <p:tag name="KSO_WM_SLIDE_SUBTYPE" val="pureTxt"/>
-  <p:tag name="KSO_WM_BEAUTIFY_FLAG" val="#wm#"/>
-</p:tagLst>
-</file>
-
-<file path=ppt/tags/tag17.xml><?xml version="1.0" encoding="utf-8"?>
-<p:tagLst xmlns:p="http://schemas.openxmlformats.org/presentationml/2006/main">
-  <p:tag name="KSO_WM_UNIT_HIGHLIGHT" val="0"/>
-  <p:tag name="KSO_WM_UNIT_COMPATIBLE" val="0"/>
-  <p:tag name="KSO_WM_UNIT_DIAGRAM_ISNUMVISUAL" val="0"/>
-  <p:tag name="KSO_WM_UNIT_DIAGRAM_ISREFERUNIT" val="0"/>
-  <p:tag name="KSO_WM_UNIT_ID" val="_3**"/>
-  <p:tag name="KSO_WM_UNIT_LAYERLEVEL" val="1"/>
-  <p:tag name="KSO_WM_TAG_VERSION" val="1.0"/>
   <p:tag name="KSO_WM_BEAUTIFY_FLAG" val="#wm#"/>
 </p:tagLst>
 </file>
